--- a/Prototype graph.pptx
+++ b/Prototype graph.pptx
@@ -7,6 +7,7 @@
   <p:sldIdLst>
     <p:sldId id="256" r:id="rId2"/>
     <p:sldId id="257" r:id="rId3"/>
+    <p:sldId id="259" r:id="rId4"/>
   </p:sldIdLst>
   <p:sldSz cx="12192000" cy="6858000"/>
   <p:notesSz cx="6858000" cy="9144000"/>
@@ -260,7 +261,7 @@
           <a:p>
             <a:fld id="{322350AB-4051-884C-931B-507D634D2662}" type="datetimeFigureOut">
               <a:rPr lang="en-US" smtClean="0"/>
-              <a:t>12/1/19</a:t>
+              <a:t>12/10/19</a:t>
             </a:fld>
             <a:endParaRPr lang="en-US"/>
           </a:p>
@@ -458,7 +459,7 @@
           <a:p>
             <a:fld id="{322350AB-4051-884C-931B-507D634D2662}" type="datetimeFigureOut">
               <a:rPr lang="en-US" smtClean="0"/>
-              <a:t>12/1/19</a:t>
+              <a:t>12/10/19</a:t>
             </a:fld>
             <a:endParaRPr lang="en-US"/>
           </a:p>
@@ -666,7 +667,7 @@
           <a:p>
             <a:fld id="{322350AB-4051-884C-931B-507D634D2662}" type="datetimeFigureOut">
               <a:rPr lang="en-US" smtClean="0"/>
-              <a:t>12/1/19</a:t>
+              <a:t>12/10/19</a:t>
             </a:fld>
             <a:endParaRPr lang="en-US"/>
           </a:p>
@@ -864,7 +865,7 @@
           <a:p>
             <a:fld id="{322350AB-4051-884C-931B-507D634D2662}" type="datetimeFigureOut">
               <a:rPr lang="en-US" smtClean="0"/>
-              <a:t>12/1/19</a:t>
+              <a:t>12/10/19</a:t>
             </a:fld>
             <a:endParaRPr lang="en-US"/>
           </a:p>
@@ -1139,7 +1140,7 @@
           <a:p>
             <a:fld id="{322350AB-4051-884C-931B-507D634D2662}" type="datetimeFigureOut">
               <a:rPr lang="en-US" smtClean="0"/>
-              <a:t>12/1/19</a:t>
+              <a:t>12/10/19</a:t>
             </a:fld>
             <a:endParaRPr lang="en-US"/>
           </a:p>
@@ -1404,7 +1405,7 @@
           <a:p>
             <a:fld id="{322350AB-4051-884C-931B-507D634D2662}" type="datetimeFigureOut">
               <a:rPr lang="en-US" smtClean="0"/>
-              <a:t>12/1/19</a:t>
+              <a:t>12/10/19</a:t>
             </a:fld>
             <a:endParaRPr lang="en-US"/>
           </a:p>
@@ -1816,7 +1817,7 @@
           <a:p>
             <a:fld id="{322350AB-4051-884C-931B-507D634D2662}" type="datetimeFigureOut">
               <a:rPr lang="en-US" smtClean="0"/>
-              <a:t>12/1/19</a:t>
+              <a:t>12/10/19</a:t>
             </a:fld>
             <a:endParaRPr lang="en-US"/>
           </a:p>
@@ -1957,7 +1958,7 @@
           <a:p>
             <a:fld id="{322350AB-4051-884C-931B-507D634D2662}" type="datetimeFigureOut">
               <a:rPr lang="en-US" smtClean="0"/>
-              <a:t>12/1/19</a:t>
+              <a:t>12/10/19</a:t>
             </a:fld>
             <a:endParaRPr lang="en-US"/>
           </a:p>
@@ -2070,7 +2071,7 @@
           <a:p>
             <a:fld id="{322350AB-4051-884C-931B-507D634D2662}" type="datetimeFigureOut">
               <a:rPr lang="en-US" smtClean="0"/>
-              <a:t>12/1/19</a:t>
+              <a:t>12/10/19</a:t>
             </a:fld>
             <a:endParaRPr lang="en-US"/>
           </a:p>
@@ -2381,7 +2382,7 @@
           <a:p>
             <a:fld id="{322350AB-4051-884C-931B-507D634D2662}" type="datetimeFigureOut">
               <a:rPr lang="en-US" smtClean="0"/>
-              <a:t>12/1/19</a:t>
+              <a:t>12/10/19</a:t>
             </a:fld>
             <a:endParaRPr lang="en-US"/>
           </a:p>
@@ -2669,7 +2670,7 @@
           <a:p>
             <a:fld id="{322350AB-4051-884C-931B-507D634D2662}" type="datetimeFigureOut">
               <a:rPr lang="en-US" smtClean="0"/>
-              <a:t>12/1/19</a:t>
+              <a:t>12/10/19</a:t>
             </a:fld>
             <a:endParaRPr lang="en-US"/>
           </a:p>
@@ -2910,7 +2911,7 @@
           <a:p>
             <a:fld id="{322350AB-4051-884C-931B-507D634D2662}" type="datetimeFigureOut">
               <a:rPr lang="en-US" smtClean="0"/>
-              <a:t>12/1/19</a:t>
+              <a:t>12/10/19</a:t>
             </a:fld>
             <a:endParaRPr lang="en-US"/>
           </a:p>
@@ -6414,6 +6415,553 @@
 </p:sld>
 </file>
 
+<file path=ppt/slides/slide3.xml><?xml version="1.0" encoding="utf-8"?>
+<p:sld xmlns:a="http://schemas.openxmlformats.org/drawingml/2006/main" xmlns:r="http://schemas.openxmlformats.org/officeDocument/2006/relationships" xmlns:p="http://schemas.openxmlformats.org/presentationml/2006/main">
+  <p:cSld>
+    <p:spTree>
+      <p:nvGrpSpPr>
+        <p:cNvPr id="1" name=""/>
+        <p:cNvGrpSpPr/>
+        <p:nvPr/>
+      </p:nvGrpSpPr>
+      <p:grpSpPr>
+        <a:xfrm>
+          <a:off x="0" y="0"/>
+          <a:ext cx="0" cy="0"/>
+          <a:chOff x="0" y="0"/>
+          <a:chExt cx="0" cy="0"/>
+        </a:xfrm>
+      </p:grpSpPr>
+      <p:sp>
+        <p:nvSpPr>
+          <p:cNvPr id="4" name="Rounded Rectangle 3">
+            <a:extLst>
+              <a:ext uri="{FF2B5EF4-FFF2-40B4-BE49-F238E27FC236}">
+                <a16:creationId xmlns:a16="http://schemas.microsoft.com/office/drawing/2014/main" id="{F6DF4726-7C08-D648-A2F8-95053E071936}"/>
+              </a:ext>
+            </a:extLst>
+          </p:cNvPr>
+          <p:cNvSpPr/>
+          <p:nvPr/>
+        </p:nvSpPr>
+        <p:spPr>
+          <a:xfrm>
+            <a:off x="4259106" y="1997003"/>
+            <a:ext cx="2500313" cy="1243012"/>
+          </a:xfrm>
+          <a:prstGeom prst="roundRect">
+            <a:avLst/>
+          </a:prstGeom>
+          <a:solidFill>
+            <a:srgbClr val="FFEA72"/>
+          </a:solidFill>
+          <a:ln>
+            <a:noFill/>
+          </a:ln>
+        </p:spPr>
+        <p:style>
+          <a:lnRef idx="2">
+            <a:schemeClr val="accent1">
+              <a:shade val="50000"/>
+            </a:schemeClr>
+          </a:lnRef>
+          <a:fillRef idx="1">
+            <a:schemeClr val="accent1"/>
+          </a:fillRef>
+          <a:effectRef idx="0">
+            <a:schemeClr val="accent1"/>
+          </a:effectRef>
+          <a:fontRef idx="minor">
+            <a:schemeClr val="lt1"/>
+          </a:fontRef>
+        </p:style>
+        <p:txBody>
+          <a:bodyPr rtlCol="0" anchor="ctr"/>
+          <a:lstStyle/>
+          <a:p>
+            <a:pPr algn="ctr"/>
+            <a:r>
+              <a:rPr lang="en-US" dirty="0">
+                <a:solidFill>
+                  <a:schemeClr val="tx1"/>
+                </a:solidFill>
+              </a:rPr>
+              <a:t>remove stop words</a:t>
+            </a:r>
+            <a:endParaRPr lang="en-US" dirty="0">
+              <a:solidFill>
+                <a:schemeClr val="tx1"/>
+              </a:solidFill>
+              <a:latin typeface="Helvetica Neue" panose="02000503000000020004" pitchFamily="2" charset="0"/>
+              <a:ea typeface="Helvetica Neue" panose="02000503000000020004" pitchFamily="2" charset="0"/>
+              <a:cs typeface="Helvetica Neue" panose="02000503000000020004" pitchFamily="2" charset="0"/>
+            </a:endParaRPr>
+          </a:p>
+        </p:txBody>
+      </p:sp>
+      <p:sp>
+        <p:nvSpPr>
+          <p:cNvPr id="8" name="Rounded Rectangle 7">
+            <a:extLst>
+              <a:ext uri="{FF2B5EF4-FFF2-40B4-BE49-F238E27FC236}">
+                <a16:creationId xmlns:a16="http://schemas.microsoft.com/office/drawing/2014/main" id="{7254A4FE-4B1B-7544-9A90-3D87392BA153}"/>
+              </a:ext>
+            </a:extLst>
+          </p:cNvPr>
+          <p:cNvSpPr/>
+          <p:nvPr/>
+        </p:nvSpPr>
+        <p:spPr>
+          <a:xfrm>
+            <a:off x="7800856" y="1997003"/>
+            <a:ext cx="2500313" cy="1243012"/>
+          </a:xfrm>
+          <a:prstGeom prst="roundRect">
+            <a:avLst/>
+          </a:prstGeom>
+          <a:solidFill>
+            <a:srgbClr val="FFEA72"/>
+          </a:solidFill>
+          <a:ln>
+            <a:noFill/>
+          </a:ln>
+        </p:spPr>
+        <p:style>
+          <a:lnRef idx="2">
+            <a:schemeClr val="accent1">
+              <a:shade val="50000"/>
+            </a:schemeClr>
+          </a:lnRef>
+          <a:fillRef idx="1">
+            <a:schemeClr val="accent1"/>
+          </a:fillRef>
+          <a:effectRef idx="0">
+            <a:schemeClr val="accent1"/>
+          </a:effectRef>
+          <a:fontRef idx="minor">
+            <a:schemeClr val="lt1"/>
+          </a:fontRef>
+        </p:style>
+        <p:txBody>
+          <a:bodyPr rtlCol="0" anchor="ctr"/>
+          <a:lstStyle/>
+          <a:p>
+            <a:pPr algn="ctr"/>
+            <a:r>
+              <a:rPr lang="en-US" dirty="0">
+                <a:solidFill>
+                  <a:schemeClr val="tx1"/>
+                </a:solidFill>
+              </a:rPr>
+              <a:t>use NLTK pos tag to extract the noun and adjective</a:t>
+            </a:r>
+            <a:endParaRPr lang="en-US" dirty="0">
+              <a:solidFill>
+                <a:schemeClr val="tx1"/>
+              </a:solidFill>
+              <a:latin typeface="Helvetica Neue" panose="02000503000000020004" pitchFamily="2" charset="0"/>
+              <a:ea typeface="Helvetica Neue" panose="02000503000000020004" pitchFamily="2" charset="0"/>
+              <a:cs typeface="Helvetica Neue" panose="02000503000000020004" pitchFamily="2" charset="0"/>
+            </a:endParaRPr>
+          </a:p>
+        </p:txBody>
+      </p:sp>
+      <p:sp>
+        <p:nvSpPr>
+          <p:cNvPr id="9" name="Rounded Rectangle 8">
+            <a:extLst>
+              <a:ext uri="{FF2B5EF4-FFF2-40B4-BE49-F238E27FC236}">
+                <a16:creationId xmlns:a16="http://schemas.microsoft.com/office/drawing/2014/main" id="{473A845A-A1F6-1442-961A-DD03E514E1BB}"/>
+              </a:ext>
+            </a:extLst>
+          </p:cNvPr>
+          <p:cNvSpPr/>
+          <p:nvPr/>
+        </p:nvSpPr>
+        <p:spPr>
+          <a:xfrm>
+            <a:off x="3008949" y="4676865"/>
+            <a:ext cx="2500313" cy="1243012"/>
+          </a:xfrm>
+          <a:prstGeom prst="roundRect">
+            <a:avLst/>
+          </a:prstGeom>
+          <a:solidFill>
+            <a:srgbClr val="FFEA72"/>
+          </a:solidFill>
+          <a:ln>
+            <a:noFill/>
+          </a:ln>
+        </p:spPr>
+        <p:style>
+          <a:lnRef idx="2">
+            <a:schemeClr val="accent1">
+              <a:shade val="50000"/>
+            </a:schemeClr>
+          </a:lnRef>
+          <a:fillRef idx="1">
+            <a:schemeClr val="accent1"/>
+          </a:fillRef>
+          <a:effectRef idx="0">
+            <a:schemeClr val="accent1"/>
+          </a:effectRef>
+          <a:fontRef idx="minor">
+            <a:schemeClr val="lt1"/>
+          </a:fontRef>
+        </p:style>
+        <p:txBody>
+          <a:bodyPr rtlCol="0" anchor="ctr"/>
+          <a:lstStyle/>
+          <a:p>
+            <a:pPr algn="ctr"/>
+            <a:r>
+              <a:rPr lang="en-US" altLang="zh-CN" dirty="0">
+                <a:solidFill>
+                  <a:schemeClr val="tx1"/>
+                </a:solidFill>
+                <a:latin typeface="Helvetica Neue" panose="02000503000000020004" pitchFamily="2" charset="0"/>
+                <a:ea typeface="Helvetica Neue" panose="02000503000000020004" pitchFamily="2" charset="0"/>
+                <a:cs typeface="Helvetica Neue" panose="02000503000000020004" pitchFamily="2" charset="0"/>
+              </a:rPr>
+              <a:t>Extract top 100 nouns and adjectives for each thread</a:t>
+            </a:r>
+            <a:endParaRPr lang="en-US" dirty="0">
+              <a:solidFill>
+                <a:schemeClr val="tx1"/>
+              </a:solidFill>
+              <a:latin typeface="Helvetica Neue" panose="02000503000000020004" pitchFamily="2" charset="0"/>
+              <a:ea typeface="Helvetica Neue" panose="02000503000000020004" pitchFamily="2" charset="0"/>
+              <a:cs typeface="Helvetica Neue" panose="02000503000000020004" pitchFamily="2" charset="0"/>
+            </a:endParaRPr>
+          </a:p>
+        </p:txBody>
+      </p:sp>
+      <p:cxnSp>
+        <p:nvCxnSpPr>
+          <p:cNvPr id="15" name="Straight Arrow Connector 14">
+            <a:extLst>
+              <a:ext uri="{FF2B5EF4-FFF2-40B4-BE49-F238E27FC236}">
+                <a16:creationId xmlns:a16="http://schemas.microsoft.com/office/drawing/2014/main" id="{869E640C-F1B5-C54C-B647-20DA3848FB0E}"/>
+              </a:ext>
+            </a:extLst>
+          </p:cNvPr>
+          <p:cNvCxnSpPr>
+            <a:cxnSpLocks/>
+            <a:stCxn id="4" idx="3"/>
+            <a:endCxn id="8" idx="1"/>
+          </p:cNvCxnSpPr>
+          <p:nvPr/>
+        </p:nvCxnSpPr>
+        <p:spPr>
+          <a:xfrm>
+            <a:off x="6759419" y="2618509"/>
+            <a:ext cx="1041437" cy="0"/>
+          </a:xfrm>
+          <a:prstGeom prst="straightConnector1">
+            <a:avLst/>
+          </a:prstGeom>
+          <a:ln>
+            <a:solidFill>
+              <a:schemeClr val="accent1"/>
+            </a:solidFill>
+            <a:tailEnd type="triangle"/>
+          </a:ln>
+        </p:spPr>
+        <p:style>
+          <a:lnRef idx="1">
+            <a:schemeClr val="accent1"/>
+          </a:lnRef>
+          <a:fillRef idx="0">
+            <a:schemeClr val="accent1"/>
+          </a:fillRef>
+          <a:effectRef idx="0">
+            <a:schemeClr val="accent1"/>
+          </a:effectRef>
+          <a:fontRef idx="minor">
+            <a:schemeClr val="tx1"/>
+          </a:fontRef>
+        </p:style>
+      </p:cxnSp>
+      <p:sp>
+        <p:nvSpPr>
+          <p:cNvPr id="24" name="Rounded Rectangle 23">
+            <a:extLst>
+              <a:ext uri="{FF2B5EF4-FFF2-40B4-BE49-F238E27FC236}">
+                <a16:creationId xmlns:a16="http://schemas.microsoft.com/office/drawing/2014/main" id="{896DE2E3-94C5-F146-AE30-B4F360D149DE}"/>
+              </a:ext>
+            </a:extLst>
+          </p:cNvPr>
+          <p:cNvSpPr/>
+          <p:nvPr/>
+        </p:nvSpPr>
+        <p:spPr>
+          <a:xfrm>
+            <a:off x="7419435" y="4655605"/>
+            <a:ext cx="3263153" cy="1243012"/>
+          </a:xfrm>
+          <a:prstGeom prst="roundRect">
+            <a:avLst/>
+          </a:prstGeom>
+          <a:solidFill>
+            <a:srgbClr val="FFEA72"/>
+          </a:solidFill>
+          <a:ln>
+            <a:noFill/>
+          </a:ln>
+        </p:spPr>
+        <p:style>
+          <a:lnRef idx="2">
+            <a:schemeClr val="accent1">
+              <a:shade val="50000"/>
+            </a:schemeClr>
+          </a:lnRef>
+          <a:fillRef idx="1">
+            <a:schemeClr val="accent1"/>
+          </a:fillRef>
+          <a:effectRef idx="0">
+            <a:schemeClr val="accent1"/>
+          </a:effectRef>
+          <a:fontRef idx="minor">
+            <a:schemeClr val="lt1"/>
+          </a:fontRef>
+        </p:style>
+        <p:txBody>
+          <a:bodyPr rtlCol="0" anchor="ctr"/>
+          <a:lstStyle/>
+          <a:p>
+            <a:pPr algn="ctr"/>
+            <a:r>
+              <a:rPr lang="en-US" dirty="0">
+                <a:solidFill>
+                  <a:schemeClr val="tx1"/>
+                </a:solidFill>
+              </a:rPr>
+              <a:t>Use PorterStemmer to stem the word</a:t>
+            </a:r>
+            <a:endParaRPr lang="en-US" dirty="0">
+              <a:solidFill>
+                <a:schemeClr val="tx1"/>
+              </a:solidFill>
+              <a:latin typeface="Helvetica Neue" panose="02000503000000020004" pitchFamily="2" charset="0"/>
+              <a:ea typeface="Helvetica Neue" panose="02000503000000020004" pitchFamily="2" charset="0"/>
+              <a:cs typeface="Helvetica Neue" panose="02000503000000020004" pitchFamily="2" charset="0"/>
+            </a:endParaRPr>
+          </a:p>
+        </p:txBody>
+      </p:sp>
+      <p:cxnSp>
+        <p:nvCxnSpPr>
+          <p:cNvPr id="28" name="Straight Arrow Connector 27">
+            <a:extLst>
+              <a:ext uri="{FF2B5EF4-FFF2-40B4-BE49-F238E27FC236}">
+                <a16:creationId xmlns:a16="http://schemas.microsoft.com/office/drawing/2014/main" id="{4B6EE9CB-C043-2540-BE27-8349F16A25A7}"/>
+              </a:ext>
+            </a:extLst>
+          </p:cNvPr>
+          <p:cNvCxnSpPr>
+            <a:cxnSpLocks/>
+            <a:stCxn id="8" idx="2"/>
+            <a:endCxn id="24" idx="0"/>
+          </p:cNvCxnSpPr>
+          <p:nvPr/>
+        </p:nvCxnSpPr>
+        <p:spPr>
+          <a:xfrm flipH="1">
+            <a:off x="9051012" y="3240015"/>
+            <a:ext cx="1" cy="1415590"/>
+          </a:xfrm>
+          <a:prstGeom prst="straightConnector1">
+            <a:avLst/>
+          </a:prstGeom>
+          <a:ln>
+            <a:solidFill>
+              <a:schemeClr val="accent1"/>
+            </a:solidFill>
+            <a:tailEnd type="triangle"/>
+          </a:ln>
+        </p:spPr>
+        <p:style>
+          <a:lnRef idx="1">
+            <a:schemeClr val="accent1"/>
+          </a:lnRef>
+          <a:fillRef idx="0">
+            <a:schemeClr val="accent1"/>
+          </a:fillRef>
+          <a:effectRef idx="0">
+            <a:schemeClr val="accent1"/>
+          </a:effectRef>
+          <a:fontRef idx="minor">
+            <a:schemeClr val="tx1"/>
+          </a:fontRef>
+        </p:style>
+      </p:cxnSp>
+      <p:cxnSp>
+        <p:nvCxnSpPr>
+          <p:cNvPr id="31" name="Straight Arrow Connector 30">
+            <a:extLst>
+              <a:ext uri="{FF2B5EF4-FFF2-40B4-BE49-F238E27FC236}">
+                <a16:creationId xmlns:a16="http://schemas.microsoft.com/office/drawing/2014/main" id="{38C6577C-A44E-7B44-AF28-4B822B93D647}"/>
+              </a:ext>
+            </a:extLst>
+          </p:cNvPr>
+          <p:cNvCxnSpPr>
+            <a:cxnSpLocks/>
+            <a:stCxn id="24" idx="1"/>
+            <a:endCxn id="9" idx="3"/>
+          </p:cNvCxnSpPr>
+          <p:nvPr/>
+        </p:nvCxnSpPr>
+        <p:spPr>
+          <a:xfrm flipH="1">
+            <a:off x="5509262" y="5277111"/>
+            <a:ext cx="1910173" cy="21260"/>
+          </a:xfrm>
+          <a:prstGeom prst="straightConnector1">
+            <a:avLst/>
+          </a:prstGeom>
+          <a:ln>
+            <a:solidFill>
+              <a:schemeClr val="accent1"/>
+            </a:solidFill>
+            <a:tailEnd type="triangle"/>
+          </a:ln>
+        </p:spPr>
+        <p:style>
+          <a:lnRef idx="1">
+            <a:schemeClr val="accent1"/>
+          </a:lnRef>
+          <a:fillRef idx="0">
+            <a:schemeClr val="accent1"/>
+          </a:fillRef>
+          <a:effectRef idx="0">
+            <a:schemeClr val="accent1"/>
+          </a:effectRef>
+          <a:fontRef idx="minor">
+            <a:schemeClr val="tx1"/>
+          </a:fontRef>
+        </p:style>
+      </p:cxnSp>
+      <p:sp>
+        <p:nvSpPr>
+          <p:cNvPr id="35" name="Rounded Rectangle 34">
+            <a:extLst>
+              <a:ext uri="{FF2B5EF4-FFF2-40B4-BE49-F238E27FC236}">
+                <a16:creationId xmlns:a16="http://schemas.microsoft.com/office/drawing/2014/main" id="{E1ABCBAC-162B-5646-BCD0-48C52440156C}"/>
+              </a:ext>
+            </a:extLst>
+          </p:cNvPr>
+          <p:cNvSpPr/>
+          <p:nvPr/>
+        </p:nvSpPr>
+        <p:spPr>
+          <a:xfrm>
+            <a:off x="904664" y="1997003"/>
+            <a:ext cx="2500313" cy="1243012"/>
+          </a:xfrm>
+          <a:prstGeom prst="roundRect">
+            <a:avLst/>
+          </a:prstGeom>
+          <a:solidFill>
+            <a:srgbClr val="FFEA72"/>
+          </a:solidFill>
+          <a:ln>
+            <a:noFill/>
+          </a:ln>
+        </p:spPr>
+        <p:style>
+          <a:lnRef idx="2">
+            <a:schemeClr val="accent1">
+              <a:shade val="50000"/>
+            </a:schemeClr>
+          </a:lnRef>
+          <a:fillRef idx="1">
+            <a:schemeClr val="accent1"/>
+          </a:fillRef>
+          <a:effectRef idx="0">
+            <a:schemeClr val="accent1"/>
+          </a:effectRef>
+          <a:fontRef idx="minor">
+            <a:schemeClr val="lt1"/>
+          </a:fontRef>
+        </p:style>
+        <p:txBody>
+          <a:bodyPr rtlCol="0" anchor="ctr"/>
+          <a:lstStyle/>
+          <a:p>
+            <a:pPr algn="ctr"/>
+            <a:r>
+              <a:rPr lang="en-US" dirty="0">
+                <a:solidFill>
+                  <a:schemeClr val="tx1"/>
+                </a:solidFill>
+                <a:latin typeface="Helvetica Neue" panose="02000503000000020004" pitchFamily="2" charset="0"/>
+                <a:ea typeface="Helvetica Neue" panose="02000503000000020004" pitchFamily="2" charset="0"/>
+                <a:cs typeface="Helvetica Neue" panose="02000503000000020004" pitchFamily="2" charset="0"/>
+              </a:rPr>
+              <a:t>Tokenize sentence</a:t>
+            </a:r>
+          </a:p>
+        </p:txBody>
+      </p:sp>
+      <p:cxnSp>
+        <p:nvCxnSpPr>
+          <p:cNvPr id="46" name="Straight Arrow Connector 45">
+            <a:extLst>
+              <a:ext uri="{FF2B5EF4-FFF2-40B4-BE49-F238E27FC236}">
+                <a16:creationId xmlns:a16="http://schemas.microsoft.com/office/drawing/2014/main" id="{29B385E9-E9A6-9F4C-ADE5-78B89E4267EE}"/>
+              </a:ext>
+            </a:extLst>
+          </p:cNvPr>
+          <p:cNvCxnSpPr>
+            <a:cxnSpLocks/>
+            <a:stCxn id="35" idx="3"/>
+            <a:endCxn id="4" idx="1"/>
+          </p:cNvCxnSpPr>
+          <p:nvPr/>
+        </p:nvCxnSpPr>
+        <p:spPr>
+          <a:xfrm>
+            <a:off x="3404977" y="2618509"/>
+            <a:ext cx="854129" cy="0"/>
+          </a:xfrm>
+          <a:prstGeom prst="straightConnector1">
+            <a:avLst/>
+          </a:prstGeom>
+          <a:ln>
+            <a:solidFill>
+              <a:schemeClr val="accent1"/>
+            </a:solidFill>
+            <a:tailEnd type="triangle"/>
+          </a:ln>
+        </p:spPr>
+        <p:style>
+          <a:lnRef idx="1">
+            <a:schemeClr val="accent1"/>
+          </a:lnRef>
+          <a:fillRef idx="0">
+            <a:schemeClr val="accent1"/>
+          </a:fillRef>
+          <a:effectRef idx="0">
+            <a:schemeClr val="accent1"/>
+          </a:effectRef>
+          <a:fontRef idx="minor">
+            <a:schemeClr val="tx1"/>
+          </a:fontRef>
+        </p:style>
+      </p:cxnSp>
+    </p:spTree>
+    <p:extLst>
+      <p:ext uri="{BB962C8B-B14F-4D97-AF65-F5344CB8AC3E}">
+        <p14:creationId xmlns:p14="http://schemas.microsoft.com/office/powerpoint/2010/main" val="1843530272"/>
+      </p:ext>
+    </p:extLst>
+  </p:cSld>
+  <p:clrMapOvr>
+    <a:masterClrMapping/>
+  </p:clrMapOvr>
+</p:sld>
+</file>
+
 <file path=ppt/theme/theme1.xml><?xml version="1.0" encoding="utf-8"?>
 <a:theme xmlns:a="http://schemas.openxmlformats.org/drawingml/2006/main" name="Office Theme">
   <a:themeElements>

--- a/Prototype graph.pptx
+++ b/Prototype graph.pptx
@@ -261,7 +261,7 @@
           <a:p>
             <a:fld id="{322350AB-4051-884C-931B-507D634D2662}" type="datetimeFigureOut">
               <a:rPr lang="en-US" smtClean="0"/>
-              <a:t>12/10/19</a:t>
+              <a:t>12/11/19</a:t>
             </a:fld>
             <a:endParaRPr lang="en-US"/>
           </a:p>
@@ -459,7 +459,7 @@
           <a:p>
             <a:fld id="{322350AB-4051-884C-931B-507D634D2662}" type="datetimeFigureOut">
               <a:rPr lang="en-US" smtClean="0"/>
-              <a:t>12/10/19</a:t>
+              <a:t>12/11/19</a:t>
             </a:fld>
             <a:endParaRPr lang="en-US"/>
           </a:p>
@@ -667,7 +667,7 @@
           <a:p>
             <a:fld id="{322350AB-4051-884C-931B-507D634D2662}" type="datetimeFigureOut">
               <a:rPr lang="en-US" smtClean="0"/>
-              <a:t>12/10/19</a:t>
+              <a:t>12/11/19</a:t>
             </a:fld>
             <a:endParaRPr lang="en-US"/>
           </a:p>
@@ -865,7 +865,7 @@
           <a:p>
             <a:fld id="{322350AB-4051-884C-931B-507D634D2662}" type="datetimeFigureOut">
               <a:rPr lang="en-US" smtClean="0"/>
-              <a:t>12/10/19</a:t>
+              <a:t>12/11/19</a:t>
             </a:fld>
             <a:endParaRPr lang="en-US"/>
           </a:p>
@@ -1140,7 +1140,7 @@
           <a:p>
             <a:fld id="{322350AB-4051-884C-931B-507D634D2662}" type="datetimeFigureOut">
               <a:rPr lang="en-US" smtClean="0"/>
-              <a:t>12/10/19</a:t>
+              <a:t>12/11/19</a:t>
             </a:fld>
             <a:endParaRPr lang="en-US"/>
           </a:p>
@@ -1405,7 +1405,7 @@
           <a:p>
             <a:fld id="{322350AB-4051-884C-931B-507D634D2662}" type="datetimeFigureOut">
               <a:rPr lang="en-US" smtClean="0"/>
-              <a:t>12/10/19</a:t>
+              <a:t>12/11/19</a:t>
             </a:fld>
             <a:endParaRPr lang="en-US"/>
           </a:p>
@@ -1817,7 +1817,7 @@
           <a:p>
             <a:fld id="{322350AB-4051-884C-931B-507D634D2662}" type="datetimeFigureOut">
               <a:rPr lang="en-US" smtClean="0"/>
-              <a:t>12/10/19</a:t>
+              <a:t>12/11/19</a:t>
             </a:fld>
             <a:endParaRPr lang="en-US"/>
           </a:p>
@@ -1958,7 +1958,7 @@
           <a:p>
             <a:fld id="{322350AB-4051-884C-931B-507D634D2662}" type="datetimeFigureOut">
               <a:rPr lang="en-US" smtClean="0"/>
-              <a:t>12/10/19</a:t>
+              <a:t>12/11/19</a:t>
             </a:fld>
             <a:endParaRPr lang="en-US"/>
           </a:p>
@@ -2071,7 +2071,7 @@
           <a:p>
             <a:fld id="{322350AB-4051-884C-931B-507D634D2662}" type="datetimeFigureOut">
               <a:rPr lang="en-US" smtClean="0"/>
-              <a:t>12/10/19</a:t>
+              <a:t>12/11/19</a:t>
             </a:fld>
             <a:endParaRPr lang="en-US"/>
           </a:p>
@@ -2382,7 +2382,7 @@
           <a:p>
             <a:fld id="{322350AB-4051-884C-931B-507D634D2662}" type="datetimeFigureOut">
               <a:rPr lang="en-US" smtClean="0"/>
-              <a:t>12/10/19</a:t>
+              <a:t>12/11/19</a:t>
             </a:fld>
             <a:endParaRPr lang="en-US"/>
           </a:p>
@@ -2670,7 +2670,7 @@
           <a:p>
             <a:fld id="{322350AB-4051-884C-931B-507D634D2662}" type="datetimeFigureOut">
               <a:rPr lang="en-US" smtClean="0"/>
-              <a:t>12/10/19</a:t>
+              <a:t>12/11/19</a:t>
             </a:fld>
             <a:endParaRPr lang="en-US"/>
           </a:p>
@@ -2911,7 +2911,7 @@
           <a:p>
             <a:fld id="{322350AB-4051-884C-931B-507D634D2662}" type="datetimeFigureOut">
               <a:rPr lang="en-US" smtClean="0"/>
-              <a:t>12/10/19</a:t>
+              <a:t>12/11/19</a:t>
             </a:fld>
             <a:endParaRPr lang="en-US"/>
           </a:p>
@@ -4884,7 +4884,7 @@
                 <a:ea typeface="Helvetica Neue" panose="02000503000000020004" pitchFamily="2" charset="0"/>
                 <a:cs typeface="Helvetica Neue" panose="02000503000000020004" pitchFamily="2" charset="0"/>
               </a:rPr>
-              <a:t>To</a:t>
+              <a:t>to</a:t>
             </a:r>
             <a:r>
               <a:rPr lang="zh-CN" altLang="en-US" dirty="0">
@@ -4906,7 +4906,7 @@
                 <a:ea typeface="Helvetica Neue" panose="02000503000000020004" pitchFamily="2" charset="0"/>
                 <a:cs typeface="Helvetica Neue" panose="02000503000000020004" pitchFamily="2" charset="0"/>
               </a:rPr>
-              <a:t>Automate</a:t>
+              <a:t>automate</a:t>
             </a:r>
             <a:r>
               <a:rPr lang="zh-CN" altLang="en-US" dirty="0">
@@ -4928,7 +4928,7 @@
                 <a:ea typeface="Helvetica Neue" panose="02000503000000020004" pitchFamily="2" charset="0"/>
                 <a:cs typeface="Helvetica Neue" panose="02000503000000020004" pitchFamily="2" charset="0"/>
               </a:rPr>
-              <a:t>Tests</a:t>
+              <a:t>tests</a:t>
             </a:r>
             <a:endParaRPr lang="en-US" dirty="0">
               <a:solidFill>
@@ -5040,7 +5040,7 @@
                 <a:ea typeface="Helvetica Neue" panose="02000503000000020004" pitchFamily="2" charset="0"/>
                 <a:cs typeface="Helvetica Neue" panose="02000503000000020004" pitchFamily="2" charset="0"/>
               </a:rPr>
-              <a:t>Image</a:t>
+              <a:t>image</a:t>
             </a:r>
             <a:r>
               <a:rPr lang="zh-CN" altLang="en-US" dirty="0">
@@ -5061,7 +5061,7 @@
                 <a:ea typeface="Helvetica Neue" panose="02000503000000020004" pitchFamily="2" charset="0"/>
                 <a:cs typeface="Helvetica Neue" panose="02000503000000020004" pitchFamily="2" charset="0"/>
               </a:rPr>
-              <a:t>Search</a:t>
+              <a:t>search</a:t>
             </a:r>
             <a:r>
               <a:rPr lang="zh-CN" altLang="en-US" dirty="0">
@@ -5082,7 +5082,7 @@
                 <a:ea typeface="Helvetica Neue" panose="02000503000000020004" pitchFamily="2" charset="0"/>
                 <a:cs typeface="Helvetica Neue" panose="02000503000000020004" pitchFamily="2" charset="0"/>
               </a:rPr>
-              <a:t>Engine</a:t>
+              <a:t>engine</a:t>
             </a:r>
             <a:endParaRPr lang="en-US" dirty="0">
               <a:solidFill>
@@ -5110,7 +5110,7 @@
         <p:spPr>
           <a:xfrm>
             <a:off x="161363" y="5027730"/>
-            <a:ext cx="1921437" cy="890447"/>
+            <a:ext cx="2046430" cy="1144470"/>
           </a:xfrm>
           <a:prstGeom prst="roundRect">
             <a:avLst/>
@@ -5174,7 +5174,7 @@
                 <a:ea typeface="Helvetica Neue" panose="02000503000000020004" pitchFamily="2" charset="0"/>
                 <a:cs typeface="Helvetica Neue" panose="02000503000000020004" pitchFamily="2" charset="0"/>
               </a:rPr>
-              <a:t>From</a:t>
+              <a:t>from</a:t>
             </a:r>
             <a:r>
               <a:rPr lang="zh-CN" altLang="en-US" dirty="0">
@@ -5194,7 +5194,7 @@
                 <a:latin typeface="Helvetica Neue" panose="02000503000000020004" pitchFamily="2" charset="0"/>
                 <a:cs typeface="Helvetica Neue" panose="02000503000000020004" pitchFamily="2" charset="0"/>
               </a:rPr>
-              <a:t>Academic</a:t>
+              <a:t>academic</a:t>
             </a:r>
             <a:r>
               <a:rPr lang="zh-CN" altLang="en-US" dirty="0">
@@ -5215,7 +5215,7 @@
                 <a:ea typeface="Helvetica Neue" panose="02000503000000020004" pitchFamily="2" charset="0"/>
                 <a:cs typeface="Helvetica Neue" panose="02000503000000020004" pitchFamily="2" charset="0"/>
               </a:rPr>
-              <a:t>Papers</a:t>
+              <a:t>papers</a:t>
             </a:r>
             <a:endParaRPr lang="en-US" dirty="0">
               <a:solidFill>
@@ -5439,7 +5439,7 @@
                 <a:ea typeface="Helvetica Neue" panose="02000503000000020004" pitchFamily="2" charset="0"/>
                 <a:cs typeface="Helvetica Neue" panose="02000503000000020004" pitchFamily="2" charset="0"/>
               </a:rPr>
-              <a:t>Image</a:t>
+              <a:t>image</a:t>
             </a:r>
             <a:r>
               <a:rPr lang="zh-CN" altLang="en-US" dirty="0">
@@ -5471,7 +5471,7 @@
                 <a:ea typeface="Helvetica Neue" panose="02000503000000020004" pitchFamily="2" charset="0"/>
                 <a:cs typeface="Helvetica Neue" panose="02000503000000020004" pitchFamily="2" charset="0"/>
               </a:rPr>
-              <a:t>Search</a:t>
+              <a:t>search</a:t>
             </a:r>
             <a:r>
               <a:rPr lang="zh-CN" altLang="en-US" dirty="0">
@@ -5492,7 +5492,7 @@
                 <a:ea typeface="Helvetica Neue" panose="02000503000000020004" pitchFamily="2" charset="0"/>
                 <a:cs typeface="Helvetica Neue" panose="02000503000000020004" pitchFamily="2" charset="0"/>
               </a:rPr>
-              <a:t>Engine</a:t>
+              <a:t>engine</a:t>
             </a:r>
             <a:endParaRPr lang="en-US" dirty="0">
               <a:solidFill>
@@ -5604,7 +5604,7 @@
                 <a:ea typeface="Helvetica Neue" panose="02000503000000020004" pitchFamily="2" charset="0"/>
                 <a:cs typeface="Helvetica Neue" panose="02000503000000020004" pitchFamily="2" charset="0"/>
               </a:rPr>
-              <a:t>Image</a:t>
+              <a:t>image</a:t>
             </a:r>
             <a:r>
               <a:rPr lang="zh-CN" altLang="en-US" dirty="0">
@@ -5625,7 +5625,7 @@
                 <a:ea typeface="Helvetica Neue" panose="02000503000000020004" pitchFamily="2" charset="0"/>
                 <a:cs typeface="Helvetica Neue" panose="02000503000000020004" pitchFamily="2" charset="0"/>
               </a:rPr>
-              <a:t>Search</a:t>
+              <a:t>search</a:t>
             </a:r>
             <a:r>
               <a:rPr lang="zh-CN" altLang="en-US" dirty="0">
@@ -5646,7 +5646,7 @@
                 <a:ea typeface="Helvetica Neue" panose="02000503000000020004" pitchFamily="2" charset="0"/>
                 <a:cs typeface="Helvetica Neue" panose="02000503000000020004" pitchFamily="2" charset="0"/>
               </a:rPr>
-              <a:t>Engine</a:t>
+              <a:t>engine</a:t>
             </a:r>
             <a:endParaRPr lang="en-US" dirty="0">
               <a:solidFill>
@@ -5723,8 +5723,8 @@
         </p:nvCxnSpPr>
         <p:spPr>
           <a:xfrm flipV="1">
-            <a:off x="1122082" y="4050506"/>
-            <a:ext cx="289439" cy="977224"/>
+            <a:off x="1184578" y="4050506"/>
+            <a:ext cx="226943" cy="977224"/>
           </a:xfrm>
           <a:prstGeom prst="straightConnector1">
             <a:avLst/>
@@ -6051,7 +6051,29 @@
                 <a:ea typeface="Helvetica Neue" panose="02000503000000020004" pitchFamily="2" charset="0"/>
                 <a:cs typeface="Helvetica Neue" panose="02000503000000020004" pitchFamily="2" charset="0"/>
               </a:rPr>
-              <a:t>Search</a:t>
+              <a:t>image</a:t>
+            </a:r>
+            <a:r>
+              <a:rPr lang="zh-CN" altLang="en-US" dirty="0">
+                <a:solidFill>
+                  <a:schemeClr val="tx1"/>
+                </a:solidFill>
+                <a:latin typeface="Helvetica Neue" panose="02000503000000020004" pitchFamily="2" charset="0"/>
+                <a:ea typeface="Helvetica Neue" panose="02000503000000020004" pitchFamily="2" charset="0"/>
+                <a:cs typeface="Helvetica Neue" panose="02000503000000020004" pitchFamily="2" charset="0"/>
+              </a:rPr>
+              <a:t> </a:t>
+            </a:r>
+            <a:r>
+              <a:rPr lang="en-US" altLang="zh-CN" dirty="0">
+                <a:solidFill>
+                  <a:schemeClr val="tx1"/>
+                </a:solidFill>
+                <a:latin typeface="Helvetica Neue" panose="02000503000000020004" pitchFamily="2" charset="0"/>
+                <a:ea typeface="Helvetica Neue" panose="02000503000000020004" pitchFamily="2" charset="0"/>
+                <a:cs typeface="Helvetica Neue" panose="02000503000000020004" pitchFamily="2" charset="0"/>
+              </a:rPr>
+              <a:t>search</a:t>
             </a:r>
             <a:r>
               <a:rPr lang="zh-CN" altLang="en-US" dirty="0">
@@ -6312,7 +6334,7 @@
                 <a:ea typeface="Helvetica Neue" panose="02000503000000020004" pitchFamily="2" charset="0"/>
                 <a:cs typeface="Helvetica Neue" panose="02000503000000020004" pitchFamily="2" charset="0"/>
               </a:rPr>
-              <a:t>Stereotype</a:t>
+              <a:t>stereotype</a:t>
             </a:r>
             <a:r>
               <a:rPr lang="zh-CN" altLang="en-US" dirty="0">
@@ -6333,7 +6355,7 @@
                 <a:ea typeface="Helvetica Neue" panose="02000503000000020004" pitchFamily="2" charset="0"/>
                 <a:cs typeface="Helvetica Neue" panose="02000503000000020004" pitchFamily="2" charset="0"/>
               </a:rPr>
-              <a:t>Dictionary</a:t>
+              <a:t>dictionary</a:t>
             </a:r>
             <a:r>
               <a:rPr lang="zh-CN" altLang="en-US" dirty="0">
@@ -6481,12 +6503,20 @@
           <a:p>
             <a:pPr algn="ctr"/>
             <a:r>
+              <a:rPr lang="en-US" altLang="zh-CN" dirty="0">
+                <a:solidFill>
+                  <a:schemeClr val="tx1"/>
+                </a:solidFill>
+              </a:rPr>
+              <a:t>R</a:t>
+            </a:r>
+            <a:r>
               <a:rPr lang="en-US" dirty="0">
                 <a:solidFill>
                   <a:schemeClr val="tx1"/>
                 </a:solidFill>
               </a:rPr>
-              <a:t>remove stop words</a:t>
+              <a:t>emove stop words</a:t>
             </a:r>
             <a:endParaRPr lang="en-US" dirty="0">
               <a:solidFill>
@@ -6548,12 +6578,20 @@
           <a:p>
             <a:pPr algn="ctr"/>
             <a:r>
+              <a:rPr lang="en-US" altLang="zh-CN" dirty="0">
+                <a:solidFill>
+                  <a:schemeClr val="tx1"/>
+                </a:solidFill>
+              </a:rPr>
+              <a:t>U</a:t>
+            </a:r>
+            <a:r>
               <a:rPr lang="en-US" dirty="0">
                 <a:solidFill>
                   <a:schemeClr val="tx1"/>
                 </a:solidFill>
               </a:rPr>
-              <a:t>use NLTK pos tag to extract the noun and adjective</a:t>
+              <a:t>se NLTK pos tag to extract the noun and adjective</a:t>
             </a:r>
             <a:endParaRPr lang="en-US" dirty="0">
               <a:solidFill>
@@ -6580,7 +6618,7 @@
         </p:nvSpPr>
         <p:spPr>
           <a:xfrm>
-            <a:off x="3008949" y="4676865"/>
+            <a:off x="1509412" y="4655605"/>
             <a:ext cx="2500313" cy="1243012"/>
           </a:xfrm>
           <a:prstGeom prst="roundRect">
@@ -6813,8 +6851,8 @@
         </p:nvCxnSpPr>
         <p:spPr>
           <a:xfrm flipH="1">
-            <a:off x="5509262" y="5277111"/>
-            <a:ext cx="1910173" cy="21260"/>
+            <a:off x="4009725" y="5277111"/>
+            <a:ext cx="3409710" cy="0"/>
           </a:xfrm>
           <a:prstGeom prst="straightConnector1">
             <a:avLst/>

--- a/Prototype graph.pptx
+++ b/Prototype graph.pptx
@@ -8,6 +8,7 @@
     <p:sldId id="256" r:id="rId2"/>
     <p:sldId id="257" r:id="rId3"/>
     <p:sldId id="259" r:id="rId4"/>
+    <p:sldId id="260" r:id="rId5"/>
   </p:sldIdLst>
   <p:sldSz cx="12192000" cy="6858000"/>
   <p:notesSz cx="6858000" cy="9144000"/>
@@ -6507,6 +6508,9 @@
                 <a:solidFill>
                   <a:schemeClr val="tx1"/>
                 </a:solidFill>
+                <a:latin typeface="Helvetica Neue" panose="02000503000000020004" pitchFamily="2" charset="0"/>
+                <a:ea typeface="Helvetica Neue" panose="02000503000000020004" pitchFamily="2" charset="0"/>
+                <a:cs typeface="Helvetica Neue" panose="02000503000000020004" pitchFamily="2" charset="0"/>
               </a:rPr>
               <a:t>R</a:t>
             </a:r>
@@ -6515,17 +6519,50 @@
                 <a:solidFill>
                   <a:schemeClr val="tx1"/>
                 </a:solidFill>
-              </a:rPr>
-              <a:t>emove stop words</a:t>
-            </a:r>
-            <a:endParaRPr lang="en-US" dirty="0">
-              <a:solidFill>
-                <a:schemeClr val="tx1"/>
-              </a:solidFill>
-              <a:latin typeface="Helvetica Neue" panose="02000503000000020004" pitchFamily="2" charset="0"/>
-              <a:ea typeface="Helvetica Neue" panose="02000503000000020004" pitchFamily="2" charset="0"/>
-              <a:cs typeface="Helvetica Neue" panose="02000503000000020004" pitchFamily="2" charset="0"/>
-            </a:endParaRPr>
+                <a:latin typeface="Helvetica Neue" panose="02000503000000020004" pitchFamily="2" charset="0"/>
+                <a:ea typeface="Helvetica Neue" panose="02000503000000020004" pitchFamily="2" charset="0"/>
+                <a:cs typeface="Helvetica Neue" panose="02000503000000020004" pitchFamily="2" charset="0"/>
+              </a:rPr>
+              <a:t>emove</a:t>
+            </a:r>
+            <a:r>
+              <a:rPr lang="en-US" dirty="0">
+                <a:solidFill>
+                  <a:schemeClr val="tx1"/>
+                </a:solidFill>
+              </a:rPr>
+              <a:t> </a:t>
+            </a:r>
+            <a:r>
+              <a:rPr lang="en-US" dirty="0">
+                <a:solidFill>
+                  <a:schemeClr val="tx1"/>
+                </a:solidFill>
+                <a:latin typeface="Helvetica Neue" panose="02000503000000020004" pitchFamily="2" charset="0"/>
+                <a:ea typeface="Helvetica Neue" panose="02000503000000020004" pitchFamily="2" charset="0"/>
+                <a:cs typeface="Helvetica Neue" panose="02000503000000020004" pitchFamily="2" charset="0"/>
+              </a:rPr>
+              <a:t>stop</a:t>
+            </a:r>
+            <a:r>
+              <a:rPr lang="en-US" dirty="0">
+                <a:solidFill>
+                  <a:schemeClr val="tx1"/>
+                </a:solidFill>
+              </a:rPr>
+              <a:t> </a:t>
+            </a:r>
+            <a:r>
+              <a:rPr lang="en-US" dirty="0">
+                <a:solidFill>
+                  <a:schemeClr val="tx1"/>
+                </a:solidFill>
+                <a:latin typeface="Helvetica Neue" panose="02000503000000020004" pitchFamily="2" charset="0"/>
+                <a:ea typeface="Helvetica Neue" panose="02000503000000020004" pitchFamily="2" charset="0"/>
+                <a:cs typeface="Helvetica Neue" panose="02000503000000020004" pitchFamily="2" charset="0"/>
+              </a:rPr>
+              <a:t>words</a:t>
+            </a:r>
           </a:p>
         </p:txBody>
       </p:sp>
@@ -6582,6 +6619,9 @@
                 <a:solidFill>
                   <a:schemeClr val="tx1"/>
                 </a:solidFill>
+                <a:latin typeface="Helvetica Neue" panose="02000503000000020004" pitchFamily="2" charset="0"/>
+                <a:ea typeface="Helvetica Neue" panose="02000503000000020004" pitchFamily="2" charset="0"/>
+                <a:cs typeface="Helvetica Neue" panose="02000503000000020004" pitchFamily="2" charset="0"/>
               </a:rPr>
               <a:t>U</a:t>
             </a:r>
@@ -6590,17 +6630,12 @@
                 <a:solidFill>
                   <a:schemeClr val="tx1"/>
                 </a:solidFill>
+                <a:latin typeface="Helvetica Neue" panose="02000503000000020004" pitchFamily="2" charset="0"/>
+                <a:ea typeface="Helvetica Neue" panose="02000503000000020004" pitchFamily="2" charset="0"/>
+                <a:cs typeface="Helvetica Neue" panose="02000503000000020004" pitchFamily="2" charset="0"/>
               </a:rPr>
               <a:t>se NLTK pos tag to extract the noun and adjective</a:t>
             </a:r>
-            <a:endParaRPr lang="en-US" dirty="0">
-              <a:solidFill>
-                <a:schemeClr val="tx1"/>
-              </a:solidFill>
-              <a:latin typeface="Helvetica Neue" panose="02000503000000020004" pitchFamily="2" charset="0"/>
-              <a:ea typeface="Helvetica Neue" panose="02000503000000020004" pitchFamily="2" charset="0"/>
-              <a:cs typeface="Helvetica Neue" panose="02000503000000020004" pitchFamily="2" charset="0"/>
-            </a:endParaRPr>
           </a:p>
         </p:txBody>
       </p:sp>
@@ -6773,17 +6808,12 @@
                 <a:solidFill>
                   <a:schemeClr val="tx1"/>
                 </a:solidFill>
+                <a:latin typeface="Helvetica Neue" panose="02000503000000020004" pitchFamily="2" charset="0"/>
+                <a:ea typeface="Helvetica Neue" panose="02000503000000020004" pitchFamily="2" charset="0"/>
+                <a:cs typeface="Helvetica Neue" panose="02000503000000020004" pitchFamily="2" charset="0"/>
               </a:rPr>
               <a:t>Use PorterStemmer to stem the word</a:t>
             </a:r>
-            <a:endParaRPr lang="en-US" dirty="0">
-              <a:solidFill>
-                <a:schemeClr val="tx1"/>
-              </a:solidFill>
-              <a:latin typeface="Helvetica Neue" panose="02000503000000020004" pitchFamily="2" charset="0"/>
-              <a:ea typeface="Helvetica Neue" panose="02000503000000020004" pitchFamily="2" charset="0"/>
-              <a:cs typeface="Helvetica Neue" panose="02000503000000020004" pitchFamily="2" charset="0"/>
-            </a:endParaRPr>
           </a:p>
         </p:txBody>
       </p:sp>
@@ -6991,6 +7021,554 @@
     <p:extLst>
       <p:ext uri="{BB962C8B-B14F-4D97-AF65-F5344CB8AC3E}">
         <p14:creationId xmlns:p14="http://schemas.microsoft.com/office/powerpoint/2010/main" val="1843530272"/>
+      </p:ext>
+    </p:extLst>
+  </p:cSld>
+  <p:clrMapOvr>
+    <a:masterClrMapping/>
+  </p:clrMapOvr>
+</p:sld>
+</file>
+
+<file path=ppt/slides/slide4.xml><?xml version="1.0" encoding="utf-8"?>
+<p:sld xmlns:a="http://schemas.openxmlformats.org/drawingml/2006/main" xmlns:r="http://schemas.openxmlformats.org/officeDocument/2006/relationships" xmlns:p="http://schemas.openxmlformats.org/presentationml/2006/main">
+  <p:cSld>
+    <p:spTree>
+      <p:nvGrpSpPr>
+        <p:cNvPr id="1" name=""/>
+        <p:cNvGrpSpPr/>
+        <p:nvPr/>
+      </p:nvGrpSpPr>
+      <p:grpSpPr>
+        <a:xfrm>
+          <a:off x="0" y="0"/>
+          <a:ext cx="0" cy="0"/>
+          <a:chOff x="0" y="0"/>
+          <a:chExt cx="0" cy="0"/>
+        </a:xfrm>
+      </p:grpSpPr>
+      <p:sp>
+        <p:nvSpPr>
+          <p:cNvPr id="4" name="Rounded Rectangle 3">
+            <a:extLst>
+              <a:ext uri="{FF2B5EF4-FFF2-40B4-BE49-F238E27FC236}">
+                <a16:creationId xmlns:a16="http://schemas.microsoft.com/office/drawing/2014/main" id="{E011AB2E-4F4C-A142-9AEC-5968E7DB4BC9}"/>
+              </a:ext>
+            </a:extLst>
+          </p:cNvPr>
+          <p:cNvSpPr/>
+          <p:nvPr/>
+        </p:nvSpPr>
+        <p:spPr>
+          <a:xfrm>
+            <a:off x="4464423" y="870410"/>
+            <a:ext cx="3263153" cy="1243012"/>
+          </a:xfrm>
+          <a:prstGeom prst="roundRect">
+            <a:avLst/>
+          </a:prstGeom>
+          <a:solidFill>
+            <a:srgbClr val="FFEA72"/>
+          </a:solidFill>
+          <a:ln>
+            <a:noFill/>
+          </a:ln>
+        </p:spPr>
+        <p:style>
+          <a:lnRef idx="2">
+            <a:schemeClr val="accent1">
+              <a:shade val="50000"/>
+            </a:schemeClr>
+          </a:lnRef>
+          <a:fillRef idx="1">
+            <a:schemeClr val="accent1"/>
+          </a:fillRef>
+          <a:effectRef idx="0">
+            <a:schemeClr val="accent1"/>
+          </a:effectRef>
+          <a:fontRef idx="minor">
+            <a:schemeClr val="lt1"/>
+          </a:fontRef>
+        </p:style>
+        <p:txBody>
+          <a:bodyPr rtlCol="0" anchor="ctr"/>
+          <a:lstStyle/>
+          <a:p>
+            <a:pPr algn="ctr"/>
+            <a:r>
+              <a:rPr lang="en-US" altLang="zh-CN" dirty="0">
+                <a:solidFill>
+                  <a:schemeClr val="tx1"/>
+                </a:solidFill>
+                <a:latin typeface="Helvetica Neue" panose="02000503000000020004" pitchFamily="2" charset="0"/>
+                <a:ea typeface="Helvetica Neue" panose="02000503000000020004" pitchFamily="2" charset="0"/>
+                <a:cs typeface="Helvetica Neue" panose="02000503000000020004" pitchFamily="2" charset="0"/>
+              </a:rPr>
+              <a:t>Stereotype</a:t>
+            </a:r>
+            <a:r>
+              <a:rPr lang="zh-CN" altLang="en-US" dirty="0">
+                <a:solidFill>
+                  <a:schemeClr val="tx1"/>
+                </a:solidFill>
+                <a:latin typeface="Helvetica Neue" panose="02000503000000020004" pitchFamily="2" charset="0"/>
+                <a:ea typeface="Helvetica Neue" panose="02000503000000020004" pitchFamily="2" charset="0"/>
+                <a:cs typeface="Helvetica Neue" panose="02000503000000020004" pitchFamily="2" charset="0"/>
+              </a:rPr>
+              <a:t> </a:t>
+            </a:r>
+            <a:r>
+              <a:rPr lang="en-US" altLang="zh-CN" dirty="0">
+                <a:solidFill>
+                  <a:schemeClr val="tx1"/>
+                </a:solidFill>
+                <a:latin typeface="Helvetica Neue" panose="02000503000000020004" pitchFamily="2" charset="0"/>
+                <a:ea typeface="Helvetica Neue" panose="02000503000000020004" pitchFamily="2" charset="0"/>
+                <a:cs typeface="Helvetica Neue" panose="02000503000000020004" pitchFamily="2" charset="0"/>
+              </a:rPr>
+              <a:t>word</a:t>
+            </a:r>
+            <a:r>
+              <a:rPr lang="zh-CN" altLang="en-US" dirty="0">
+                <a:solidFill>
+                  <a:schemeClr val="tx1"/>
+                </a:solidFill>
+                <a:latin typeface="Helvetica Neue" panose="02000503000000020004" pitchFamily="2" charset="0"/>
+                <a:ea typeface="Helvetica Neue" panose="02000503000000020004" pitchFamily="2" charset="0"/>
+                <a:cs typeface="Helvetica Neue" panose="02000503000000020004" pitchFamily="2" charset="0"/>
+              </a:rPr>
+              <a:t> </a:t>
+            </a:r>
+            <a:r>
+              <a:rPr lang="en-US" altLang="zh-CN" dirty="0">
+                <a:solidFill>
+                  <a:schemeClr val="tx1"/>
+                </a:solidFill>
+                <a:latin typeface="Helvetica Neue" panose="02000503000000020004" pitchFamily="2" charset="0"/>
+                <a:ea typeface="Helvetica Neue" panose="02000503000000020004" pitchFamily="2" charset="0"/>
+                <a:cs typeface="Helvetica Neue" panose="02000503000000020004" pitchFamily="2" charset="0"/>
+              </a:rPr>
+              <a:t>findings</a:t>
+            </a:r>
+            <a:endParaRPr lang="en-US" dirty="0">
+              <a:solidFill>
+                <a:schemeClr val="tx1"/>
+              </a:solidFill>
+              <a:latin typeface="Helvetica Neue" panose="02000503000000020004" pitchFamily="2" charset="0"/>
+              <a:ea typeface="Helvetica Neue" panose="02000503000000020004" pitchFamily="2" charset="0"/>
+              <a:cs typeface="Helvetica Neue" panose="02000503000000020004" pitchFamily="2" charset="0"/>
+            </a:endParaRPr>
+          </a:p>
+        </p:txBody>
+      </p:sp>
+      <p:sp>
+        <p:nvSpPr>
+          <p:cNvPr id="5" name="Rounded Rectangle 4">
+            <a:extLst>
+              <a:ext uri="{FF2B5EF4-FFF2-40B4-BE49-F238E27FC236}">
+                <a16:creationId xmlns:a16="http://schemas.microsoft.com/office/drawing/2014/main" id="{F13C60F0-F459-3243-99CD-3435E314AAE3}"/>
+              </a:ext>
+            </a:extLst>
+          </p:cNvPr>
+          <p:cNvSpPr/>
+          <p:nvPr/>
+        </p:nvSpPr>
+        <p:spPr>
+          <a:xfrm>
+            <a:off x="804228" y="3332873"/>
+            <a:ext cx="3263153" cy="1243012"/>
+          </a:xfrm>
+          <a:prstGeom prst="roundRect">
+            <a:avLst/>
+          </a:prstGeom>
+          <a:solidFill>
+            <a:srgbClr val="FFEA72"/>
+          </a:solidFill>
+          <a:ln>
+            <a:noFill/>
+          </a:ln>
+        </p:spPr>
+        <p:style>
+          <a:lnRef idx="2">
+            <a:schemeClr val="accent1">
+              <a:shade val="50000"/>
+            </a:schemeClr>
+          </a:lnRef>
+          <a:fillRef idx="1">
+            <a:schemeClr val="accent1"/>
+          </a:fillRef>
+          <a:effectRef idx="0">
+            <a:schemeClr val="accent1"/>
+          </a:effectRef>
+          <a:fontRef idx="minor">
+            <a:schemeClr val="lt1"/>
+          </a:fontRef>
+        </p:style>
+        <p:txBody>
+          <a:bodyPr rtlCol="0" anchor="ctr"/>
+          <a:lstStyle/>
+          <a:p>
+            <a:pPr algn="ctr"/>
+            <a:r>
+              <a:rPr lang="en-US" altLang="zh-CN" dirty="0">
+                <a:solidFill>
+                  <a:schemeClr val="tx1"/>
+                </a:solidFill>
+                <a:latin typeface="Helvetica Neue" panose="02000503000000020004" pitchFamily="2" charset="0"/>
+                <a:ea typeface="Helvetica Neue" panose="02000503000000020004" pitchFamily="2" charset="0"/>
+                <a:cs typeface="Helvetica Neue" panose="02000503000000020004" pitchFamily="2" charset="0"/>
+              </a:rPr>
+              <a:t>Stereotype</a:t>
+            </a:r>
+            <a:r>
+              <a:rPr lang="zh-CN" altLang="en-US" dirty="0">
+                <a:solidFill>
+                  <a:schemeClr val="tx1"/>
+                </a:solidFill>
+                <a:latin typeface="Helvetica Neue" panose="02000503000000020004" pitchFamily="2" charset="0"/>
+                <a:ea typeface="Helvetica Neue" panose="02000503000000020004" pitchFamily="2" charset="0"/>
+                <a:cs typeface="Helvetica Neue" panose="02000503000000020004" pitchFamily="2" charset="0"/>
+              </a:rPr>
+              <a:t> </a:t>
+            </a:r>
+            <a:r>
+              <a:rPr lang="en-US" altLang="zh-CN" dirty="0">
+                <a:solidFill>
+                  <a:schemeClr val="tx1"/>
+                </a:solidFill>
+                <a:latin typeface="Helvetica Neue" panose="02000503000000020004" pitchFamily="2" charset="0"/>
+                <a:ea typeface="Helvetica Neue" panose="02000503000000020004" pitchFamily="2" charset="0"/>
+                <a:cs typeface="Helvetica Neue" panose="02000503000000020004" pitchFamily="2" charset="0"/>
+              </a:rPr>
+              <a:t>count</a:t>
+            </a:r>
+            <a:r>
+              <a:rPr lang="zh-CN" altLang="en-US" dirty="0">
+                <a:solidFill>
+                  <a:schemeClr val="tx1"/>
+                </a:solidFill>
+                <a:latin typeface="Helvetica Neue" panose="02000503000000020004" pitchFamily="2" charset="0"/>
+                <a:ea typeface="Helvetica Neue" panose="02000503000000020004" pitchFamily="2" charset="0"/>
+                <a:cs typeface="Helvetica Neue" panose="02000503000000020004" pitchFamily="2" charset="0"/>
+              </a:rPr>
+              <a:t> </a:t>
+            </a:r>
+            <a:r>
+              <a:rPr lang="en-US" altLang="zh-CN" dirty="0">
+                <a:solidFill>
+                  <a:schemeClr val="tx1"/>
+                </a:solidFill>
+                <a:latin typeface="Helvetica Neue" panose="02000503000000020004" pitchFamily="2" charset="0"/>
+                <a:ea typeface="Helvetica Neue" panose="02000503000000020004" pitchFamily="2" charset="0"/>
+                <a:cs typeface="Helvetica Neue" panose="02000503000000020004" pitchFamily="2" charset="0"/>
+              </a:rPr>
+              <a:t>for</a:t>
+            </a:r>
+            <a:r>
+              <a:rPr lang="zh-CN" altLang="en-US" dirty="0">
+                <a:solidFill>
+                  <a:schemeClr val="tx1"/>
+                </a:solidFill>
+                <a:latin typeface="Helvetica Neue" panose="02000503000000020004" pitchFamily="2" charset="0"/>
+                <a:ea typeface="Helvetica Neue" panose="02000503000000020004" pitchFamily="2" charset="0"/>
+                <a:cs typeface="Helvetica Neue" panose="02000503000000020004" pitchFamily="2" charset="0"/>
+              </a:rPr>
+              <a:t> </a:t>
+            </a:r>
+            <a:r>
+              <a:rPr lang="en-US" altLang="zh-CN" dirty="0">
+                <a:solidFill>
+                  <a:schemeClr val="tx1"/>
+                </a:solidFill>
+                <a:latin typeface="Helvetica Neue" panose="02000503000000020004" pitchFamily="2" charset="0"/>
+                <a:ea typeface="Helvetica Neue" panose="02000503000000020004" pitchFamily="2" charset="0"/>
+                <a:cs typeface="Helvetica Neue" panose="02000503000000020004" pitchFamily="2" charset="0"/>
+              </a:rPr>
+              <a:t>each</a:t>
+            </a:r>
+            <a:r>
+              <a:rPr lang="zh-CN" altLang="en-US" dirty="0">
+                <a:solidFill>
+                  <a:schemeClr val="tx1"/>
+                </a:solidFill>
+                <a:latin typeface="Helvetica Neue" panose="02000503000000020004" pitchFamily="2" charset="0"/>
+                <a:ea typeface="Helvetica Neue" panose="02000503000000020004" pitchFamily="2" charset="0"/>
+                <a:cs typeface="Helvetica Neue" panose="02000503000000020004" pitchFamily="2" charset="0"/>
+              </a:rPr>
+              <a:t> </a:t>
+            </a:r>
+            <a:r>
+              <a:rPr lang="en-US" altLang="zh-CN" dirty="0">
+                <a:solidFill>
+                  <a:schemeClr val="tx1"/>
+                </a:solidFill>
+                <a:latin typeface="Helvetica Neue" panose="02000503000000020004" pitchFamily="2" charset="0"/>
+                <a:ea typeface="Helvetica Neue" panose="02000503000000020004" pitchFamily="2" charset="0"/>
+                <a:cs typeface="Helvetica Neue" panose="02000503000000020004" pitchFamily="2" charset="0"/>
+              </a:rPr>
+              <a:t>image</a:t>
+            </a:r>
+            <a:r>
+              <a:rPr lang="zh-CN" altLang="en-US" dirty="0">
+                <a:solidFill>
+                  <a:schemeClr val="tx1"/>
+                </a:solidFill>
+                <a:latin typeface="Helvetica Neue" panose="02000503000000020004" pitchFamily="2" charset="0"/>
+                <a:ea typeface="Helvetica Neue" panose="02000503000000020004" pitchFamily="2" charset="0"/>
+                <a:cs typeface="Helvetica Neue" panose="02000503000000020004" pitchFamily="2" charset="0"/>
+              </a:rPr>
+              <a:t> </a:t>
+            </a:r>
+            <a:r>
+              <a:rPr lang="en-US" altLang="zh-CN" dirty="0">
+                <a:solidFill>
+                  <a:schemeClr val="tx1"/>
+                </a:solidFill>
+                <a:latin typeface="Helvetica Neue" panose="02000503000000020004" pitchFamily="2" charset="0"/>
+                <a:ea typeface="Helvetica Neue" panose="02000503000000020004" pitchFamily="2" charset="0"/>
+                <a:cs typeface="Helvetica Neue" panose="02000503000000020004" pitchFamily="2" charset="0"/>
+              </a:rPr>
+              <a:t>search</a:t>
+            </a:r>
+            <a:r>
+              <a:rPr lang="zh-CN" altLang="en-US" dirty="0">
+                <a:solidFill>
+                  <a:schemeClr val="tx1"/>
+                </a:solidFill>
+                <a:latin typeface="Helvetica Neue" panose="02000503000000020004" pitchFamily="2" charset="0"/>
+                <a:ea typeface="Helvetica Neue" panose="02000503000000020004" pitchFamily="2" charset="0"/>
+                <a:cs typeface="Helvetica Neue" panose="02000503000000020004" pitchFamily="2" charset="0"/>
+              </a:rPr>
+              <a:t> </a:t>
+            </a:r>
+            <a:r>
+              <a:rPr lang="en-US" altLang="zh-CN" dirty="0">
+                <a:solidFill>
+                  <a:schemeClr val="tx1"/>
+                </a:solidFill>
+                <a:latin typeface="Helvetica Neue" panose="02000503000000020004" pitchFamily="2" charset="0"/>
+                <a:ea typeface="Helvetica Neue" panose="02000503000000020004" pitchFamily="2" charset="0"/>
+                <a:cs typeface="Helvetica Neue" panose="02000503000000020004" pitchFamily="2" charset="0"/>
+              </a:rPr>
+              <a:t>engine</a:t>
+            </a:r>
+            <a:endParaRPr lang="en-US" dirty="0">
+              <a:solidFill>
+                <a:schemeClr val="tx1"/>
+              </a:solidFill>
+              <a:latin typeface="Helvetica Neue" panose="02000503000000020004" pitchFamily="2" charset="0"/>
+              <a:ea typeface="Helvetica Neue" panose="02000503000000020004" pitchFamily="2" charset="0"/>
+              <a:cs typeface="Helvetica Neue" panose="02000503000000020004" pitchFamily="2" charset="0"/>
+            </a:endParaRPr>
+          </a:p>
+        </p:txBody>
+      </p:sp>
+      <p:sp>
+        <p:nvSpPr>
+          <p:cNvPr id="6" name="Rounded Rectangle 5">
+            <a:extLst>
+              <a:ext uri="{FF2B5EF4-FFF2-40B4-BE49-F238E27FC236}">
+                <a16:creationId xmlns:a16="http://schemas.microsoft.com/office/drawing/2014/main" id="{84FD5AE6-9511-634F-B391-0FA9D5A8DEA4}"/>
+              </a:ext>
+            </a:extLst>
+          </p:cNvPr>
+          <p:cNvSpPr/>
+          <p:nvPr/>
+        </p:nvSpPr>
+        <p:spPr>
+          <a:xfrm>
+            <a:off x="4566102" y="3332873"/>
+            <a:ext cx="3263153" cy="1243012"/>
+          </a:xfrm>
+          <a:prstGeom prst="roundRect">
+            <a:avLst/>
+          </a:prstGeom>
+          <a:solidFill>
+            <a:srgbClr val="FFEA72"/>
+          </a:solidFill>
+          <a:ln>
+            <a:noFill/>
+          </a:ln>
+        </p:spPr>
+        <p:style>
+          <a:lnRef idx="2">
+            <a:schemeClr val="accent1">
+              <a:shade val="50000"/>
+            </a:schemeClr>
+          </a:lnRef>
+          <a:fillRef idx="1">
+            <a:schemeClr val="accent1"/>
+          </a:fillRef>
+          <a:effectRef idx="0">
+            <a:schemeClr val="accent1"/>
+          </a:effectRef>
+          <a:fontRef idx="minor">
+            <a:schemeClr val="lt1"/>
+          </a:fontRef>
+        </p:style>
+        <p:txBody>
+          <a:bodyPr rtlCol="0" anchor="ctr"/>
+          <a:lstStyle/>
+          <a:p>
+            <a:pPr algn="ctr"/>
+            <a:r>
+              <a:rPr lang="en-US" altLang="zh-CN" dirty="0">
+                <a:solidFill>
+                  <a:schemeClr val="tx1"/>
+                </a:solidFill>
+                <a:latin typeface="Helvetica Neue" panose="02000503000000020004" pitchFamily="2" charset="0"/>
+                <a:ea typeface="Helvetica Neue" panose="02000503000000020004" pitchFamily="2" charset="0"/>
+                <a:cs typeface="Helvetica Neue" panose="02000503000000020004" pitchFamily="2" charset="0"/>
+              </a:rPr>
+              <a:t>Stereotype</a:t>
+            </a:r>
+            <a:r>
+              <a:rPr lang="zh-CN" altLang="en-US" dirty="0">
+                <a:solidFill>
+                  <a:schemeClr val="tx1"/>
+                </a:solidFill>
+                <a:latin typeface="Helvetica Neue" panose="02000503000000020004" pitchFamily="2" charset="0"/>
+                <a:ea typeface="Helvetica Neue" panose="02000503000000020004" pitchFamily="2" charset="0"/>
+                <a:cs typeface="Helvetica Neue" panose="02000503000000020004" pitchFamily="2" charset="0"/>
+              </a:rPr>
+              <a:t> </a:t>
+            </a:r>
+            <a:r>
+              <a:rPr lang="en-US" altLang="zh-CN" dirty="0">
+                <a:solidFill>
+                  <a:schemeClr val="tx1"/>
+                </a:solidFill>
+                <a:latin typeface="Helvetica Neue" panose="02000503000000020004" pitchFamily="2" charset="0"/>
+                <a:ea typeface="Helvetica Neue" panose="02000503000000020004" pitchFamily="2" charset="0"/>
+                <a:cs typeface="Helvetica Neue" panose="02000503000000020004" pitchFamily="2" charset="0"/>
+              </a:rPr>
+              <a:t>count</a:t>
+            </a:r>
+            <a:r>
+              <a:rPr lang="zh-CN" altLang="en-US" dirty="0">
+                <a:solidFill>
+                  <a:schemeClr val="tx1"/>
+                </a:solidFill>
+                <a:latin typeface="Helvetica Neue" panose="02000503000000020004" pitchFamily="2" charset="0"/>
+                <a:ea typeface="Helvetica Neue" panose="02000503000000020004" pitchFamily="2" charset="0"/>
+                <a:cs typeface="Helvetica Neue" panose="02000503000000020004" pitchFamily="2" charset="0"/>
+              </a:rPr>
+              <a:t> </a:t>
+            </a:r>
+            <a:r>
+              <a:rPr lang="en-US" altLang="zh-CN" dirty="0">
+                <a:solidFill>
+                  <a:schemeClr val="tx1"/>
+                </a:solidFill>
+                <a:latin typeface="Helvetica Neue" panose="02000503000000020004" pitchFamily="2" charset="0"/>
+                <a:ea typeface="Helvetica Neue" panose="02000503000000020004" pitchFamily="2" charset="0"/>
+                <a:cs typeface="Helvetica Neue" panose="02000503000000020004" pitchFamily="2" charset="0"/>
+              </a:rPr>
+              <a:t>for</a:t>
+            </a:r>
+            <a:r>
+              <a:rPr lang="zh-CN" altLang="en-US" dirty="0">
+                <a:solidFill>
+                  <a:schemeClr val="tx1"/>
+                </a:solidFill>
+                <a:latin typeface="Helvetica Neue" panose="02000503000000020004" pitchFamily="2" charset="0"/>
+                <a:ea typeface="Helvetica Neue" panose="02000503000000020004" pitchFamily="2" charset="0"/>
+                <a:cs typeface="Helvetica Neue" panose="02000503000000020004" pitchFamily="2" charset="0"/>
+              </a:rPr>
+              <a:t> </a:t>
+            </a:r>
+            <a:r>
+              <a:rPr lang="en-US" altLang="zh-CN" dirty="0">
+                <a:solidFill>
+                  <a:schemeClr val="tx1"/>
+                </a:solidFill>
+                <a:latin typeface="Helvetica Neue" panose="02000503000000020004" pitchFamily="2" charset="0"/>
+                <a:ea typeface="Helvetica Neue" panose="02000503000000020004" pitchFamily="2" charset="0"/>
+                <a:cs typeface="Helvetica Neue" panose="02000503000000020004" pitchFamily="2" charset="0"/>
+              </a:rPr>
+              <a:t>each</a:t>
+            </a:r>
+            <a:r>
+              <a:rPr lang="zh-CN" altLang="en-US" dirty="0">
+                <a:solidFill>
+                  <a:schemeClr val="tx1"/>
+                </a:solidFill>
+                <a:latin typeface="Helvetica Neue" panose="02000503000000020004" pitchFamily="2" charset="0"/>
+                <a:ea typeface="Helvetica Neue" panose="02000503000000020004" pitchFamily="2" charset="0"/>
+                <a:cs typeface="Helvetica Neue" panose="02000503000000020004" pitchFamily="2" charset="0"/>
+              </a:rPr>
+              <a:t> </a:t>
+            </a:r>
+            <a:r>
+              <a:rPr lang="en-US" altLang="zh-CN" dirty="0">
+                <a:solidFill>
+                  <a:schemeClr val="tx1"/>
+                </a:solidFill>
+                <a:latin typeface="Helvetica Neue" panose="02000503000000020004" pitchFamily="2" charset="0"/>
+                <a:ea typeface="Helvetica Neue" panose="02000503000000020004" pitchFamily="2" charset="0"/>
+                <a:cs typeface="Helvetica Neue" panose="02000503000000020004" pitchFamily="2" charset="0"/>
+              </a:rPr>
+              <a:t>image</a:t>
+            </a:r>
+            <a:r>
+              <a:rPr lang="zh-CN" altLang="en-US" dirty="0">
+                <a:solidFill>
+                  <a:schemeClr val="tx1"/>
+                </a:solidFill>
+                <a:latin typeface="Helvetica Neue" panose="02000503000000020004" pitchFamily="2" charset="0"/>
+                <a:ea typeface="Helvetica Neue" panose="02000503000000020004" pitchFamily="2" charset="0"/>
+                <a:cs typeface="Helvetica Neue" panose="02000503000000020004" pitchFamily="2" charset="0"/>
+              </a:rPr>
+              <a:t> </a:t>
+            </a:r>
+            <a:r>
+              <a:rPr lang="en-US" altLang="zh-CN" dirty="0">
+                <a:solidFill>
+                  <a:schemeClr val="tx1"/>
+                </a:solidFill>
+                <a:latin typeface="Helvetica Neue" panose="02000503000000020004" pitchFamily="2" charset="0"/>
+                <a:ea typeface="Helvetica Neue" panose="02000503000000020004" pitchFamily="2" charset="0"/>
+                <a:cs typeface="Helvetica Neue" panose="02000503000000020004" pitchFamily="2" charset="0"/>
+              </a:rPr>
+              <a:t>search</a:t>
+            </a:r>
+            <a:r>
+              <a:rPr lang="zh-CN" altLang="en-US" dirty="0">
+                <a:solidFill>
+                  <a:schemeClr val="tx1"/>
+                </a:solidFill>
+                <a:latin typeface="Helvetica Neue" panose="02000503000000020004" pitchFamily="2" charset="0"/>
+                <a:ea typeface="Helvetica Neue" panose="02000503000000020004" pitchFamily="2" charset="0"/>
+                <a:cs typeface="Helvetica Neue" panose="02000503000000020004" pitchFamily="2" charset="0"/>
+              </a:rPr>
+              <a:t> </a:t>
+            </a:r>
+            <a:r>
+              <a:rPr lang="en-US" altLang="zh-CN" dirty="0">
+                <a:solidFill>
+                  <a:schemeClr val="tx1"/>
+                </a:solidFill>
+                <a:latin typeface="Helvetica Neue" panose="02000503000000020004" pitchFamily="2" charset="0"/>
+                <a:ea typeface="Helvetica Neue" panose="02000503000000020004" pitchFamily="2" charset="0"/>
+                <a:cs typeface="Helvetica Neue" panose="02000503000000020004" pitchFamily="2" charset="0"/>
+              </a:rPr>
+              <a:t>engine</a:t>
+            </a:r>
+            <a:endParaRPr lang="en-US" dirty="0">
+              <a:solidFill>
+                <a:schemeClr val="tx1"/>
+              </a:solidFill>
+              <a:latin typeface="Helvetica Neue" panose="02000503000000020004" pitchFamily="2" charset="0"/>
+              <a:ea typeface="Helvetica Neue" panose="02000503000000020004" pitchFamily="2" charset="0"/>
+              <a:cs typeface="Helvetica Neue" panose="02000503000000020004" pitchFamily="2" charset="0"/>
+            </a:endParaRPr>
+          </a:p>
+        </p:txBody>
+      </p:sp>
+    </p:spTree>
+    <p:extLst>
+      <p:ext uri="{BB962C8B-B14F-4D97-AF65-F5344CB8AC3E}">
+        <p14:creationId xmlns:p14="http://schemas.microsoft.com/office/powerpoint/2010/main" val="1724367147"/>
       </p:ext>
     </p:extLst>
   </p:cSld>
